--- a/poster.pptx
+++ b/poster.pptx
@@ -243,7 +243,7 @@
           <a:p>
             <a:fld id="{0D4799CA-DFC1-3949-A923-A6F67CF3388A}" type="datetimeFigureOut">
               <a:rPr kumimoji="1" lang="zh-CN" altLang="en-US" smtClean="0"/>
-              <a:t>2019/12/16</a:t>
+              <a:t>2020/2/16</a:t>
             </a:fld>
             <a:endParaRPr kumimoji="1" lang="zh-CN" altLang="en-US"/>
           </a:p>
@@ -413,7 +413,7 @@
           <a:p>
             <a:fld id="{0D4799CA-DFC1-3949-A923-A6F67CF3388A}" type="datetimeFigureOut">
               <a:rPr kumimoji="1" lang="zh-CN" altLang="en-US" smtClean="0"/>
-              <a:t>2019/12/16</a:t>
+              <a:t>2020/2/16</a:t>
             </a:fld>
             <a:endParaRPr kumimoji="1" lang="zh-CN" altLang="en-US"/>
           </a:p>
@@ -593,7 +593,7 @@
           <a:p>
             <a:fld id="{0D4799CA-DFC1-3949-A923-A6F67CF3388A}" type="datetimeFigureOut">
               <a:rPr kumimoji="1" lang="zh-CN" altLang="en-US" smtClean="0"/>
-              <a:t>2019/12/16</a:t>
+              <a:t>2020/2/16</a:t>
             </a:fld>
             <a:endParaRPr kumimoji="1" lang="zh-CN" altLang="en-US"/>
           </a:p>
@@ -763,7 +763,7 @@
           <a:p>
             <a:fld id="{0D4799CA-DFC1-3949-A923-A6F67CF3388A}" type="datetimeFigureOut">
               <a:rPr kumimoji="1" lang="zh-CN" altLang="en-US" smtClean="0"/>
-              <a:t>2019/12/16</a:t>
+              <a:t>2020/2/16</a:t>
             </a:fld>
             <a:endParaRPr kumimoji="1" lang="zh-CN" altLang="en-US"/>
           </a:p>
@@ -1007,7 +1007,7 @@
           <a:p>
             <a:fld id="{0D4799CA-DFC1-3949-A923-A6F67CF3388A}" type="datetimeFigureOut">
               <a:rPr kumimoji="1" lang="zh-CN" altLang="en-US" smtClean="0"/>
-              <a:t>2019/12/16</a:t>
+              <a:t>2020/2/16</a:t>
             </a:fld>
             <a:endParaRPr kumimoji="1" lang="zh-CN" altLang="en-US"/>
           </a:p>
@@ -1239,7 +1239,7 @@
           <a:p>
             <a:fld id="{0D4799CA-DFC1-3949-A923-A6F67CF3388A}" type="datetimeFigureOut">
               <a:rPr kumimoji="1" lang="zh-CN" altLang="en-US" smtClean="0"/>
-              <a:t>2019/12/16</a:t>
+              <a:t>2020/2/16</a:t>
             </a:fld>
             <a:endParaRPr kumimoji="1" lang="zh-CN" altLang="en-US"/>
           </a:p>
@@ -1606,7 +1606,7 @@
           <a:p>
             <a:fld id="{0D4799CA-DFC1-3949-A923-A6F67CF3388A}" type="datetimeFigureOut">
               <a:rPr kumimoji="1" lang="zh-CN" altLang="en-US" smtClean="0"/>
-              <a:t>2019/12/16</a:t>
+              <a:t>2020/2/16</a:t>
             </a:fld>
             <a:endParaRPr kumimoji="1" lang="zh-CN" altLang="en-US"/>
           </a:p>
@@ -1724,7 +1724,7 @@
           <a:p>
             <a:fld id="{0D4799CA-DFC1-3949-A923-A6F67CF3388A}" type="datetimeFigureOut">
               <a:rPr kumimoji="1" lang="zh-CN" altLang="en-US" smtClean="0"/>
-              <a:t>2019/12/16</a:t>
+              <a:t>2020/2/16</a:t>
             </a:fld>
             <a:endParaRPr kumimoji="1" lang="zh-CN" altLang="en-US"/>
           </a:p>
@@ -1819,7 +1819,7 @@
           <a:p>
             <a:fld id="{0D4799CA-DFC1-3949-A923-A6F67CF3388A}" type="datetimeFigureOut">
               <a:rPr kumimoji="1" lang="zh-CN" altLang="en-US" smtClean="0"/>
-              <a:t>2019/12/16</a:t>
+              <a:t>2020/2/16</a:t>
             </a:fld>
             <a:endParaRPr kumimoji="1" lang="zh-CN" altLang="en-US"/>
           </a:p>
@@ -2096,7 +2096,7 @@
           <a:p>
             <a:fld id="{0D4799CA-DFC1-3949-A923-A6F67CF3388A}" type="datetimeFigureOut">
               <a:rPr kumimoji="1" lang="zh-CN" altLang="en-US" smtClean="0"/>
-              <a:t>2019/12/16</a:t>
+              <a:t>2020/2/16</a:t>
             </a:fld>
             <a:endParaRPr kumimoji="1" lang="zh-CN" altLang="en-US"/>
           </a:p>
@@ -2353,7 +2353,7 @@
           <a:p>
             <a:fld id="{0D4799CA-DFC1-3949-A923-A6F67CF3388A}" type="datetimeFigureOut">
               <a:rPr kumimoji="1" lang="zh-CN" altLang="en-US" smtClean="0"/>
-              <a:t>2019/12/16</a:t>
+              <a:t>2020/2/16</a:t>
             </a:fld>
             <a:endParaRPr kumimoji="1" lang="zh-CN" altLang="en-US"/>
           </a:p>
@@ -2566,7 +2566,7 @@
           <a:p>
             <a:fld id="{0D4799CA-DFC1-3949-A923-A6F67CF3388A}" type="datetimeFigureOut">
               <a:rPr kumimoji="1" lang="zh-CN" altLang="en-US" smtClean="0"/>
-              <a:t>2019/12/16</a:t>
+              <a:t>2020/2/16</a:t>
             </a:fld>
             <a:endParaRPr kumimoji="1" lang="zh-CN" altLang="en-US"/>
           </a:p>
@@ -4824,60 +4824,6 @@
           </a:p>
         </p:txBody>
       </p:sp>
-      <p:sp>
-        <p:nvSpPr>
-          <p:cNvPr id="100" name="右大括号 99">
-            <a:extLst>
-              <a:ext uri="{FF2B5EF4-FFF2-40B4-BE49-F238E27FC236}">
-                <a16:creationId xmlns:a16="http://schemas.microsoft.com/office/drawing/2014/main" id="{69C9AF2F-C465-254D-BA1B-98496A7A67EC}"/>
-              </a:ext>
-            </a:extLst>
-          </p:cNvPr>
-          <p:cNvSpPr/>
-          <p:nvPr/>
-        </p:nvSpPr>
-        <p:spPr>
-          <a:xfrm>
-            <a:off x="4625622" y="28812686"/>
-            <a:ext cx="233011" cy="2955709"/>
-          </a:xfrm>
-          <a:prstGeom prst="rightBrace">
-            <a:avLst>
-              <a:gd name="adj1" fmla="val 8333"/>
-              <a:gd name="adj2" fmla="val 84757"/>
-            </a:avLst>
-          </a:prstGeom>
-          <a:ln w="57150">
-            <a:solidFill>
-              <a:srgbClr val="0170C0"/>
-            </a:solidFill>
-            <a:headEnd type="none" w="med" len="med"/>
-            <a:tailEnd type="none" w="med" len="med"/>
-          </a:ln>
-        </p:spPr>
-        <p:style>
-          <a:lnRef idx="1">
-            <a:schemeClr val="accent1"/>
-          </a:lnRef>
-          <a:fillRef idx="0">
-            <a:schemeClr val="accent1"/>
-          </a:fillRef>
-          <a:effectRef idx="0">
-            <a:schemeClr val="accent1"/>
-          </a:effectRef>
-          <a:fontRef idx="minor">
-            <a:schemeClr val="tx1"/>
-          </a:fontRef>
-        </p:style>
-        <p:txBody>
-          <a:bodyPr rtlCol="0" anchor="ctr"/>
-          <a:lstStyle/>
-          <a:p>
-            <a:pPr algn="ctr"/>
-            <a:endParaRPr kumimoji="1" lang="zh-CN" altLang="en-US"/>
-          </a:p>
-        </p:txBody>
-      </p:sp>
       <p:cxnSp>
         <p:nvCxnSpPr>
           <p:cNvPr id="102" name="直线箭头连接符 101">
@@ -4894,8 +4840,8 @@
         </p:nvCxnSpPr>
         <p:spPr>
           <a:xfrm>
-            <a:off x="4858633" y="31321604"/>
-            <a:ext cx="3425214" cy="0"/>
+            <a:off x="7735330" y="31321604"/>
+            <a:ext cx="548517" cy="0"/>
           </a:xfrm>
           <a:prstGeom prst="straightConnector1">
             <a:avLst/>
@@ -4936,7 +4882,7 @@
         </p:nvSpPr>
         <p:spPr>
           <a:xfrm>
-            <a:off x="5672898" y="30752445"/>
+            <a:off x="6118820" y="30997748"/>
             <a:ext cx="1841887" cy="615553"/>
           </a:xfrm>
           <a:prstGeom prst="rect">
@@ -5483,7 +5429,7 @@
         </p:nvCxnSpPr>
         <p:spPr>
           <a:xfrm>
-            <a:off x="14344848" y="31268942"/>
+            <a:off x="14344848" y="31293656"/>
             <a:ext cx="1154952" cy="20655"/>
           </a:xfrm>
           <a:prstGeom prst="straightConnector1">
@@ -5803,7 +5749,7 @@
           <p:nvPr>
             <p:extLst>
               <p:ext uri="{D42A27DB-BD31-4B8C-83A1-F6EECF244321}">
-                <p14:modId xmlns:p14="http://schemas.microsoft.com/office/powerpoint/2010/main" val="2131540788"/>
+                <p14:modId xmlns:p14="http://schemas.microsoft.com/office/powerpoint/2010/main" val="417493171"/>
               </p:ext>
             </p:extLst>
           </p:nvPr>
@@ -5827,7 +5773,7 @@
                   </a:extLst>
                 </a:gridCol>
               </a:tblGrid>
-              <a:tr h="402624">
+              <a:tr h="409597">
                 <a:tc>
                   <a:txBody>
                     <a:bodyPr/>
@@ -8992,6 +8938,51 @@
           </a:prstGeom>
         </p:spPr>
       </p:pic>
+      <p:cxnSp>
+        <p:nvCxnSpPr>
+          <p:cNvPr id="94" name="直线箭头连接符 93">
+            <a:extLst>
+              <a:ext uri="{FF2B5EF4-FFF2-40B4-BE49-F238E27FC236}">
+                <a16:creationId xmlns:a16="http://schemas.microsoft.com/office/drawing/2014/main" id="{FE0EA000-90BC-FB40-ADD6-F1A3CA6B46A3}"/>
+              </a:ext>
+            </a:extLst>
+          </p:cNvPr>
+          <p:cNvCxnSpPr>
+            <a:cxnSpLocks/>
+          </p:cNvCxnSpPr>
+          <p:nvPr/>
+        </p:nvCxnSpPr>
+        <p:spPr>
+          <a:xfrm flipH="1" flipV="1">
+            <a:off x="7697215" y="30443459"/>
+            <a:ext cx="28113" cy="1762014"/>
+          </a:xfrm>
+          <a:prstGeom prst="straightConnector1">
+            <a:avLst/>
+          </a:prstGeom>
+          <a:ln w="57150">
+            <a:solidFill>
+              <a:srgbClr val="0170C0"/>
+            </a:solidFill>
+            <a:headEnd type="triangle"/>
+            <a:tailEnd type="triangle"/>
+          </a:ln>
+        </p:spPr>
+        <p:style>
+          <a:lnRef idx="1">
+            <a:schemeClr val="accent1"/>
+          </a:lnRef>
+          <a:fillRef idx="0">
+            <a:schemeClr val="accent1"/>
+          </a:fillRef>
+          <a:effectRef idx="0">
+            <a:schemeClr val="accent1"/>
+          </a:effectRef>
+          <a:fontRef idx="minor">
+            <a:schemeClr val="tx1"/>
+          </a:fontRef>
+        </p:style>
+      </p:cxnSp>
     </p:spTree>
     <p:extLst>
       <p:ext uri="{BB962C8B-B14F-4D97-AF65-F5344CB8AC3E}">
